--- a/jsp_ppt/1장. 웹 프로그래밍 및 개발환경 구축.pptx
+++ b/jsp_ppt/1장. 웹 프로그래밍 및 개발환경 구축.pptx
@@ -248,7 +248,7 @@
           <a:p>
             <a:fld id="{7665CDAC-D627-4E87-877A-1B781DD4CADC}" type="datetimeFigureOut">
               <a:rPr lang="ko-KR" altLang="en-US" smtClean="0"/>
-              <a:t>2023-05-25</a:t>
+              <a:t>2023-05-29</a:t>
             </a:fld>
             <a:endParaRPr lang="ko-KR" altLang="en-US"/>
           </a:p>
@@ -1374,7 +1374,7 @@
           <a:p>
             <a:fld id="{F4AC81B4-D91A-4578-85B3-829E63FCFE17}" type="datetime1">
               <a:rPr lang="ko-KR" altLang="en-US" smtClean="0"/>
-              <a:t>2023-05-25</a:t>
+              <a:t>2023-05-29</a:t>
             </a:fld>
             <a:endParaRPr lang="ko-KR" altLang="en-US"/>
           </a:p>
@@ -1749,7 +1749,7 @@
           <a:p>
             <a:fld id="{F5B77542-37E5-48F2-BAE7-80CC6B0EB6A3}" type="datetime1">
               <a:rPr lang="ko-KR" altLang="en-US" smtClean="0"/>
-              <a:t>2023-05-25</a:t>
+              <a:t>2023-05-29</a:t>
             </a:fld>
             <a:endParaRPr lang="ko-KR" altLang="en-US"/>
           </a:p>
@@ -1929,7 +1929,7 @@
           <a:p>
             <a:fld id="{227CF174-B5AC-4A98-B673-0BE8126D3F27}" type="datetime1">
               <a:rPr lang="ko-KR" altLang="en-US" smtClean="0"/>
-              <a:t>2023-05-25</a:t>
+              <a:t>2023-05-29</a:t>
             </a:fld>
             <a:endParaRPr lang="ko-KR" altLang="en-US"/>
           </a:p>
@@ -2103,7 +2103,7 @@
           <a:p>
             <a:fld id="{E20FDEC8-1339-42E8-9704-2977280C2FD3}" type="datetime1">
               <a:rPr lang="ko-KR" altLang="en-US" smtClean="0"/>
-              <a:t>2023-05-25</a:t>
+              <a:t>2023-05-29</a:t>
             </a:fld>
             <a:endParaRPr lang="ko-KR" altLang="en-US"/>
           </a:p>
@@ -2349,7 +2349,7 @@
           <a:p>
             <a:fld id="{4D18DC76-A282-4817-B790-197F054E1215}" type="datetime1">
               <a:rPr lang="ko-KR" altLang="en-US" smtClean="0"/>
-              <a:t>2023-05-25</a:t>
+              <a:t>2023-05-29</a:t>
             </a:fld>
             <a:endParaRPr lang="ko-KR" altLang="en-US"/>
           </a:p>
@@ -2637,7 +2637,7 @@
           <a:p>
             <a:fld id="{6680AA6C-13D8-43E4-90F0-E6C88A2B9F16}" type="datetime1">
               <a:rPr lang="ko-KR" altLang="en-US" smtClean="0"/>
-              <a:t>2023-05-25</a:t>
+              <a:t>2023-05-29</a:t>
             </a:fld>
             <a:endParaRPr lang="ko-KR" altLang="en-US"/>
           </a:p>
@@ -3059,7 +3059,7 @@
           <a:p>
             <a:fld id="{3EF5B03B-20CC-436E-8601-C933C6C1F4A6}" type="datetime1">
               <a:rPr lang="ko-KR" altLang="en-US" smtClean="0"/>
-              <a:t>2023-05-25</a:t>
+              <a:t>2023-05-29</a:t>
             </a:fld>
             <a:endParaRPr lang="ko-KR" altLang="en-US"/>
           </a:p>
@@ -3177,7 +3177,7 @@
           <a:p>
             <a:fld id="{87B5A15D-8B08-482F-AB47-E416EC355EB6}" type="datetime1">
               <a:rPr lang="ko-KR" altLang="en-US" smtClean="0"/>
-              <a:t>2023-05-25</a:t>
+              <a:t>2023-05-29</a:t>
             </a:fld>
             <a:endParaRPr lang="ko-KR" altLang="en-US"/>
           </a:p>
@@ -3272,7 +3272,7 @@
           <a:p>
             <a:fld id="{A877D7F8-7B64-44F8-A411-CBD22F28CBFF}" type="datetime1">
               <a:rPr lang="ko-KR" altLang="en-US" smtClean="0"/>
-              <a:t>2023-05-25</a:t>
+              <a:t>2023-05-29</a:t>
             </a:fld>
             <a:endParaRPr lang="ko-KR" altLang="en-US"/>
           </a:p>
@@ -3549,7 +3549,7 @@
           <a:p>
             <a:fld id="{E12DBD9B-2BB6-4D1F-BCB4-1E48829C93C3}" type="datetime1">
               <a:rPr lang="ko-KR" altLang="en-US" smtClean="0"/>
-              <a:t>2023-05-25</a:t>
+              <a:t>2023-05-29</a:t>
             </a:fld>
             <a:endParaRPr lang="ko-KR" altLang="en-US"/>
           </a:p>
@@ -3802,7 +3802,7 @@
           <a:p>
             <a:fld id="{17564C48-0CD7-40EB-BE64-BBF4DB8C56AF}" type="datetime1">
               <a:rPr lang="ko-KR" altLang="en-US" smtClean="0"/>
-              <a:t>2023-05-25</a:t>
+              <a:t>2023-05-29</a:t>
             </a:fld>
             <a:endParaRPr lang="ko-KR" altLang="en-US"/>
           </a:p>
@@ -3982,7 +3982,7 @@
           <a:p>
             <a:fld id="{C116BCB4-B68B-4638-8167-F4BDC0A30DA1}" type="datetime1">
               <a:rPr lang="ko-KR" altLang="en-US" smtClean="0"/>
-              <a:t>2023-05-25</a:t>
+              <a:t>2023-05-29</a:t>
             </a:fld>
             <a:endParaRPr lang="ko-KR" altLang="en-US"/>
           </a:p>
@@ -15943,7 +15943,7 @@
       </p:sp>
       <p:pic>
         <p:nvPicPr>
-          <p:cNvPr id="5" name="그림 4"/>
+          <p:cNvPr id="2" name="그림 1"/>
           <p:cNvPicPr>
             <a:picLocks noChangeAspect="1"/>
           </p:cNvPicPr>
@@ -15963,8 +15963,45 @@
         </p:blipFill>
         <p:spPr>
           <a:xfrm>
-            <a:off x="992560" y="1700808"/>
-            <a:ext cx="8409384" cy="4485416"/>
+            <a:off x="1208584" y="1665920"/>
+            <a:ext cx="7344816" cy="3439978"/>
+          </a:xfrm>
+          <a:prstGeom prst="rect">
+            <a:avLst/>
+          </a:prstGeom>
+          <a:ln>
+            <a:solidFill>
+              <a:schemeClr val="bg1">
+                <a:lumMod val="85000"/>
+              </a:schemeClr>
+            </a:solidFill>
+          </a:ln>
+        </p:spPr>
+      </p:pic>
+      <p:pic>
+        <p:nvPicPr>
+          <p:cNvPr id="6" name="그림 5"/>
+          <p:cNvPicPr>
+            <a:picLocks noChangeAspect="1"/>
+          </p:cNvPicPr>
+          <p:nvPr/>
+        </p:nvPicPr>
+        <p:blipFill>
+          <a:blip r:embed="rId4">
+            <a:extLst>
+              <a:ext uri="{28A0092B-C50C-407E-A947-70E740481C1C}">
+                <a14:useLocalDpi xmlns:a14="http://schemas.microsoft.com/office/drawing/2010/main" val="0"/>
+              </a:ext>
+            </a:extLst>
+          </a:blip>
+          <a:stretch>
+            <a:fillRect/>
+          </a:stretch>
+        </p:blipFill>
+        <p:spPr>
+          <a:xfrm>
+            <a:off x="3150233" y="5301208"/>
+            <a:ext cx="5403167" cy="932015"/>
           </a:xfrm>
           <a:prstGeom prst="rect">
             <a:avLst/>
